--- a/fuentes/contenidos/grado11/guion04/MA_11_04_REC270.pptx
+++ b/fuentes/contenidos/grado11/guion04/MA_11_04_REC270.pptx
@@ -106,7 +106,7 @@
   </p:defaultTextStyle>
   <p:extLst>
     <p:ext uri="{EFAFB233-063F-42B5-8137-9DF3F51BA10A}">
-      <p15:sldGuideLst xmlns:p15="http://schemas.microsoft.com/office/powerpoint/2012/main"/>
+      <p15:sldGuideLst xmlns:p15="http://schemas.microsoft.com/office/powerpoint/2012/main" xmlns=""/>
     </p:ext>
   </p:extLst>
 </p:presentation>
@@ -142,7 +142,7 @@
   <p:timing>
     <p:tnLst>
       <p:par>
-        <p:cTn id="1" dur="indefinite" restart="never" nodeType="tmRoot"/>
+        <p:cTn xmlns:p14="http://schemas.microsoft.com/office/powerpoint/2010/main" id="1" dur="indefinite" restart="never" nodeType="tmRoot"/>
       </p:par>
     </p:tnLst>
   </p:timing>
@@ -179,7 +179,7 @@
   <p:timing>
     <p:tnLst>
       <p:par>
-        <p:cTn id="1" dur="indefinite" restart="never" nodeType="tmRoot"/>
+        <p:cTn xmlns:p14="http://schemas.microsoft.com/office/powerpoint/2010/main" id="1" dur="indefinite" restart="never" nodeType="tmRoot"/>
       </p:par>
     </p:tnLst>
   </p:timing>
@@ -216,7 +216,7 @@
   <p:timing>
     <p:tnLst>
       <p:par>
-        <p:cTn id="1" dur="indefinite" restart="never" nodeType="tmRoot"/>
+        <p:cTn xmlns:p14="http://schemas.microsoft.com/office/powerpoint/2010/main" id="1" dur="indefinite" restart="never" nodeType="tmRoot"/>
       </p:par>
     </p:tnLst>
   </p:timing>
@@ -253,7 +253,7 @@
   <p:timing>
     <p:tnLst>
       <p:par>
-        <p:cTn id="1" dur="indefinite" restart="never" nodeType="tmRoot"/>
+        <p:cTn xmlns:p14="http://schemas.microsoft.com/office/powerpoint/2010/main" id="1" dur="indefinite" restart="never" nodeType="tmRoot"/>
       </p:par>
     </p:tnLst>
   </p:timing>
@@ -290,7 +290,7 @@
   <p:timing>
     <p:tnLst>
       <p:par>
-        <p:cTn id="1" dur="indefinite" restart="never" nodeType="tmRoot"/>
+        <p:cTn xmlns:p14="http://schemas.microsoft.com/office/powerpoint/2010/main" id="1" dur="indefinite" restart="never" nodeType="tmRoot"/>
       </p:par>
     </p:tnLst>
   </p:timing>
@@ -327,7 +327,7 @@
   <p:timing>
     <p:tnLst>
       <p:par>
-        <p:cTn id="1" dur="indefinite" restart="never" nodeType="tmRoot"/>
+        <p:cTn xmlns:p14="http://schemas.microsoft.com/office/powerpoint/2010/main" id="1" dur="indefinite" restart="never" nodeType="tmRoot"/>
       </p:par>
     </p:tnLst>
   </p:timing>
@@ -364,7 +364,7 @@
   <p:timing>
     <p:tnLst>
       <p:par>
-        <p:cTn id="1" dur="indefinite" restart="never" nodeType="tmRoot"/>
+        <p:cTn xmlns:p14="http://schemas.microsoft.com/office/powerpoint/2010/main" id="1" dur="indefinite" restart="never" nodeType="tmRoot"/>
       </p:par>
     </p:tnLst>
   </p:timing>
@@ -401,7 +401,7 @@
   <p:timing>
     <p:tnLst>
       <p:par>
-        <p:cTn id="1" dur="indefinite" restart="never" nodeType="tmRoot"/>
+        <p:cTn xmlns:p14="http://schemas.microsoft.com/office/powerpoint/2010/main" id="1" dur="indefinite" restart="never" nodeType="tmRoot"/>
       </p:par>
     </p:tnLst>
   </p:timing>
@@ -450,7 +450,7 @@
           <a:p>
             <a:fld id="{5001C876-01F7-4317-94B9-1AE222133113}" type="datetimeFigureOut">
               <a:rPr lang="es-ES" smtClean="0"/>
-              <a:t>20/06/2016</a:t>
+              <a:t>1/08/16</a:t>
             </a:fld>
             <a:endParaRPr lang="es-ES"/>
           </a:p>
@@ -508,7 +508,7 @@
           <a:p>
             <a:fld id="{58140F73-F5A2-4B82-A2FA-BF1850CF1309}" type="slidenum">
               <a:rPr lang="es-ES" smtClean="0"/>
-              <a:t>‹Nº›</a:t>
+              <a:t>‹Nr.›</a:t>
             </a:fld>
             <a:endParaRPr lang="es-ES"/>
           </a:p>
@@ -527,7 +527,7 @@
   <p:timing>
     <p:tnLst>
       <p:par>
-        <p:cTn id="1" dur="indefinite" restart="never" nodeType="tmRoot"/>
+        <p:cTn xmlns:p14="http://schemas.microsoft.com/office/powerpoint/2010/main" id="1" dur="indefinite" restart="never" nodeType="tmRoot"/>
       </p:par>
     </p:tnLst>
   </p:timing>
@@ -564,7 +564,7 @@
   <p:timing>
     <p:tnLst>
       <p:par>
-        <p:cTn id="1" dur="indefinite" restart="never" nodeType="tmRoot"/>
+        <p:cTn xmlns:p14="http://schemas.microsoft.com/office/powerpoint/2010/main" id="1" dur="indefinite" restart="never" nodeType="tmRoot"/>
       </p:par>
     </p:tnLst>
   </p:timing>
@@ -601,7 +601,7 @@
   <p:timing>
     <p:tnLst>
       <p:par>
-        <p:cTn id="1" dur="indefinite" restart="never" nodeType="tmRoot"/>
+        <p:cTn xmlns:p14="http://schemas.microsoft.com/office/powerpoint/2010/main" id="1" dur="indefinite" restart="never" nodeType="tmRoot"/>
       </p:par>
     </p:tnLst>
   </p:timing>
@@ -721,7 +721,7 @@
   <p:timing>
     <p:tnLst>
       <p:par>
-        <p:cTn id="1" dur="indefinite" restart="never" nodeType="tmRoot"/>
+        <p:cTn xmlns:p14="http://schemas.microsoft.com/office/powerpoint/2010/main" id="1" dur="indefinite" restart="never" nodeType="tmRoot"/>
       </p:par>
     </p:tnLst>
   </p:timing>
@@ -1200,11 +1200,25 @@
           <a:p>
             <a:pPr algn="ctr"/>
             <a:r>
-              <a:rPr lang="es-ES" sz="900" dirty="0" smtClean="0">
-                <a:latin typeface="Arial" panose="020B0604020202020204" pitchFamily="34" charset="0"/>
-                <a:cs typeface="Arial" panose="020B0604020202020204" pitchFamily="34" charset="0"/>
-              </a:rPr>
-              <a:t>Pueden ser</a:t>
+              <a:rPr lang="es-ES" sz="900" dirty="0">
+                <a:latin typeface="Arial" panose="020B0604020202020204" pitchFamily="34" charset="0"/>
+                <a:cs typeface="Arial" panose="020B0604020202020204" pitchFamily="34" charset="0"/>
+              </a:rPr>
+              <a:t>p</a:t>
+            </a:r>
+            <a:r>
+              <a:rPr lang="es-ES" sz="900" dirty="0" smtClean="0">
+                <a:latin typeface="Arial" panose="020B0604020202020204" pitchFamily="34" charset="0"/>
+                <a:cs typeface="Arial" panose="020B0604020202020204" pitchFamily="34" charset="0"/>
+              </a:rPr>
+              <a:t>ueden </a:t>
+            </a:r>
+            <a:r>
+              <a:rPr lang="es-ES" sz="900" dirty="0" smtClean="0">
+                <a:latin typeface="Arial" panose="020B0604020202020204" pitchFamily="34" charset="0"/>
+                <a:cs typeface="Arial" panose="020B0604020202020204" pitchFamily="34" charset="0"/>
+              </a:rPr>
+              <a:t>ser</a:t>
             </a:r>
             <a:endParaRPr lang="es-ES" sz="900" dirty="0">
               <a:latin typeface="Arial" panose="020B0604020202020204" pitchFamily="34" charset="0"/>
@@ -1297,6 +1311,16 @@
           <a:p>
             <a:pPr algn="ctr"/>
             <a:r>
+              <a:rPr lang="es-ES" sz="1050" dirty="0">
+                <a:solidFill>
+                  <a:schemeClr val="bg1"/>
+                </a:solidFill>
+                <a:latin typeface="Arial" panose="020B0604020202020204" pitchFamily="34" charset="0"/>
+                <a:cs typeface="Arial" panose="020B0604020202020204" pitchFamily="34" charset="0"/>
+              </a:rPr>
+              <a:t>r</a:t>
+            </a:r>
+            <a:r>
               <a:rPr lang="es-ES" sz="1050" dirty="0" smtClean="0">
                 <a:solidFill>
                   <a:schemeClr val="bg1"/>
@@ -1304,7 +1328,7 @@
                 <a:latin typeface="Arial" panose="020B0604020202020204" pitchFamily="34" charset="0"/>
                 <a:cs typeface="Arial" panose="020B0604020202020204" pitchFamily="34" charset="0"/>
               </a:rPr>
-              <a:t>Reglas</a:t>
+              <a:t>eglas</a:t>
             </a:r>
             <a:endParaRPr lang="es-ES" sz="1050" dirty="0">
               <a:solidFill>
@@ -1384,7 +1408,7 @@
                 <a:latin typeface="Arial" panose="020B0604020202020204" pitchFamily="34" charset="0"/>
                 <a:cs typeface="Arial" panose="020B0604020202020204" pitchFamily="34" charset="0"/>
               </a:rPr>
-              <a:t>C</a:t>
+              <a:t>c</a:t>
             </a:r>
             <a:r>
               <a:rPr lang="es-ES" sz="900" dirty="0" smtClean="0">
@@ -1892,11 +1916,25 @@
           <a:p>
             <a:pPr algn="ctr"/>
             <a:r>
-              <a:rPr lang="es-ES" sz="900" dirty="0" smtClean="0">
-                <a:latin typeface="Arial" panose="020B0604020202020204" pitchFamily="34" charset="0"/>
-                <a:cs typeface="Arial" panose="020B0604020202020204" pitchFamily="34" charset="0"/>
-              </a:rPr>
-              <a:t>Permite definir</a:t>
+              <a:rPr lang="es-ES" sz="900" dirty="0">
+                <a:latin typeface="Arial" panose="020B0604020202020204" pitchFamily="34" charset="0"/>
+                <a:cs typeface="Arial" panose="020B0604020202020204" pitchFamily="34" charset="0"/>
+              </a:rPr>
+              <a:t>p</a:t>
+            </a:r>
+            <a:r>
+              <a:rPr lang="es-ES" sz="900" dirty="0" smtClean="0">
+                <a:latin typeface="Arial" panose="020B0604020202020204" pitchFamily="34" charset="0"/>
+                <a:cs typeface="Arial" panose="020B0604020202020204" pitchFamily="34" charset="0"/>
+              </a:rPr>
+              <a:t>ermite </a:t>
+            </a:r>
+            <a:r>
+              <a:rPr lang="es-ES" sz="900" dirty="0" smtClean="0">
+                <a:latin typeface="Arial" panose="020B0604020202020204" pitchFamily="34" charset="0"/>
+                <a:cs typeface="Arial" panose="020B0604020202020204" pitchFamily="34" charset="0"/>
+              </a:rPr>
+              <a:t>definir</a:t>
             </a:r>
             <a:endParaRPr lang="es-ES" sz="900" dirty="0">
               <a:latin typeface="Arial" panose="020B0604020202020204" pitchFamily="34" charset="0"/>
@@ -1990,6 +2028,16 @@
           <a:p>
             <a:pPr algn="ctr"/>
             <a:r>
+              <a:rPr lang="es-ES" sz="1050" dirty="0">
+                <a:solidFill>
+                  <a:schemeClr val="bg1"/>
+                </a:solidFill>
+                <a:latin typeface="Arial" panose="020B0604020202020204" pitchFamily="34" charset="0"/>
+                <a:cs typeface="Arial" panose="020B0604020202020204" pitchFamily="34" charset="0"/>
+              </a:rPr>
+              <a:t>c</a:t>
+            </a:r>
+            <a:r>
               <a:rPr lang="es-ES" sz="1050" dirty="0" smtClean="0">
                 <a:solidFill>
                   <a:schemeClr val="bg1"/>
@@ -1997,7 +2045,17 @@
                 <a:latin typeface="Arial" panose="020B0604020202020204" pitchFamily="34" charset="0"/>
                 <a:cs typeface="Arial" panose="020B0604020202020204" pitchFamily="34" charset="0"/>
               </a:rPr>
-              <a:t>Concepto de derivada</a:t>
+              <a:t>oncepto </a:t>
+            </a:r>
+            <a:r>
+              <a:rPr lang="es-ES" sz="1050" dirty="0" smtClean="0">
+                <a:solidFill>
+                  <a:schemeClr val="bg1"/>
+                </a:solidFill>
+                <a:latin typeface="Arial" panose="020B0604020202020204" pitchFamily="34" charset="0"/>
+                <a:cs typeface="Arial" panose="020B0604020202020204" pitchFamily="34" charset="0"/>
+              </a:rPr>
+              <a:t>de derivada</a:t>
             </a:r>
             <a:endParaRPr lang="es-ES" sz="1050" dirty="0">
               <a:solidFill>
@@ -2073,11 +2131,25 @@
           <a:p>
             <a:pPr algn="ctr"/>
             <a:r>
-              <a:rPr lang="es-ES" sz="900" dirty="0" smtClean="0">
-                <a:latin typeface="Arial" panose="020B0604020202020204" pitchFamily="34" charset="0"/>
-                <a:cs typeface="Arial" panose="020B0604020202020204" pitchFamily="34" charset="0"/>
-              </a:rPr>
-              <a:t>Desde la geometría, como</a:t>
+              <a:rPr lang="es-ES" sz="900" dirty="0">
+                <a:latin typeface="Arial" panose="020B0604020202020204" pitchFamily="34" charset="0"/>
+                <a:cs typeface="Arial" panose="020B0604020202020204" pitchFamily="34" charset="0"/>
+              </a:rPr>
+              <a:t>d</a:t>
+            </a:r>
+            <a:r>
+              <a:rPr lang="es-ES" sz="900" dirty="0" smtClean="0">
+                <a:latin typeface="Arial" panose="020B0604020202020204" pitchFamily="34" charset="0"/>
+                <a:cs typeface="Arial" panose="020B0604020202020204" pitchFamily="34" charset="0"/>
+              </a:rPr>
+              <a:t>esde </a:t>
+            </a:r>
+            <a:r>
+              <a:rPr lang="es-ES" sz="900" dirty="0" smtClean="0">
+                <a:latin typeface="Arial" panose="020B0604020202020204" pitchFamily="34" charset="0"/>
+                <a:cs typeface="Arial" panose="020B0604020202020204" pitchFamily="34" charset="0"/>
+              </a:rPr>
+              <a:t>la geometría, como</a:t>
             </a:r>
             <a:endParaRPr lang="es-ES" sz="900" dirty="0">
               <a:latin typeface="Arial" panose="020B0604020202020204" pitchFamily="34" charset="0"/>
@@ -2171,14 +2243,34 @@
           <a:p>
             <a:pPr algn="ctr"/>
             <a:r>
-              <a:rPr lang="es-ES" sz="900" dirty="0" smtClean="0">
+              <a:rPr lang="es-ES" sz="900" dirty="0">
                 <a:solidFill>
                   <a:schemeClr val="tx1"/>
                 </a:solidFill>
                 <a:latin typeface="Arial" panose="020B0604020202020204" pitchFamily="34" charset="0"/>
                 <a:cs typeface="Arial" panose="020B0604020202020204" pitchFamily="34" charset="0"/>
               </a:rPr>
-              <a:t>Pendiente de una tangente </a:t>
+              <a:t>p</a:t>
+            </a:r>
+            <a:r>
+              <a:rPr lang="es-ES" sz="900" dirty="0" smtClean="0">
+                <a:solidFill>
+                  <a:schemeClr val="tx1"/>
+                </a:solidFill>
+                <a:latin typeface="Arial" panose="020B0604020202020204" pitchFamily="34" charset="0"/>
+                <a:cs typeface="Arial" panose="020B0604020202020204" pitchFamily="34" charset="0"/>
+              </a:rPr>
+              <a:t>endiente </a:t>
+            </a:r>
+            <a:r>
+              <a:rPr lang="es-ES" sz="900" dirty="0" smtClean="0">
+                <a:solidFill>
+                  <a:schemeClr val="tx1"/>
+                </a:solidFill>
+                <a:latin typeface="Arial" panose="020B0604020202020204" pitchFamily="34" charset="0"/>
+                <a:cs typeface="Arial" panose="020B0604020202020204" pitchFamily="34" charset="0"/>
+              </a:rPr>
+              <a:t>de una tangente </a:t>
             </a:r>
             <a:endParaRPr lang="es-ES" sz="900" dirty="0">
               <a:solidFill>
@@ -2314,6 +2406,16 @@
           <a:p>
             <a:pPr algn="ctr"/>
             <a:r>
+              <a:rPr lang="es-ES" sz="1050" dirty="0">
+                <a:solidFill>
+                  <a:schemeClr val="bg1"/>
+                </a:solidFill>
+                <a:latin typeface="Arial" panose="020B0604020202020204" pitchFamily="34" charset="0"/>
+                <a:cs typeface="Arial" panose="020B0604020202020204" pitchFamily="34" charset="0"/>
+              </a:rPr>
+              <a:t>c</a:t>
+            </a:r>
+            <a:r>
               <a:rPr lang="es-ES" sz="1050" dirty="0" smtClean="0">
                 <a:solidFill>
                   <a:schemeClr val="bg1"/>
@@ -2321,7 +2423,17 @@
                 <a:latin typeface="Arial" panose="020B0604020202020204" pitchFamily="34" charset="0"/>
                 <a:cs typeface="Arial" panose="020B0604020202020204" pitchFamily="34" charset="0"/>
               </a:rPr>
-              <a:t>Características de la función</a:t>
+              <a:t>aracterísticas </a:t>
+            </a:r>
+            <a:r>
+              <a:rPr lang="es-ES" sz="1050" dirty="0" smtClean="0">
+                <a:solidFill>
+                  <a:schemeClr val="bg1"/>
+                </a:solidFill>
+                <a:latin typeface="Arial" panose="020B0604020202020204" pitchFamily="34" charset="0"/>
+                <a:cs typeface="Arial" panose="020B0604020202020204" pitchFamily="34" charset="0"/>
+              </a:rPr>
+              <a:t>de la función</a:t>
             </a:r>
             <a:endParaRPr lang="es-ES" sz="1050" dirty="0">
               <a:solidFill>
@@ -2401,7 +2513,7 @@
                 <a:latin typeface="Arial" panose="020B0604020202020204" pitchFamily="34" charset="0"/>
                 <a:cs typeface="Arial" panose="020B0604020202020204" pitchFamily="34" charset="0"/>
               </a:rPr>
-              <a:t>C</a:t>
+              <a:t>c</a:t>
             </a:r>
             <a:r>
               <a:rPr lang="es-ES" sz="900" dirty="0" smtClean="0">
@@ -2502,14 +2614,24 @@
           <a:p>
             <a:pPr algn="ctr"/>
             <a:r>
-              <a:rPr lang="es-ES" sz="900" dirty="0" smtClean="0">
+              <a:rPr lang="es-ES" sz="900" dirty="0">
                 <a:solidFill>
                   <a:schemeClr val="tx1"/>
                 </a:solidFill>
                 <a:latin typeface="Arial" panose="020B0604020202020204" pitchFamily="34" charset="0"/>
                 <a:cs typeface="Arial" panose="020B0604020202020204" pitchFamily="34" charset="0"/>
               </a:rPr>
-              <a:t>Extremos </a:t>
+              <a:t>e</a:t>
+            </a:r>
+            <a:r>
+              <a:rPr lang="es-ES" sz="900" dirty="0" smtClean="0">
+                <a:solidFill>
+                  <a:schemeClr val="tx1"/>
+                </a:solidFill>
+                <a:latin typeface="Arial" panose="020B0604020202020204" pitchFamily="34" charset="0"/>
+                <a:cs typeface="Arial" panose="020B0604020202020204" pitchFamily="34" charset="0"/>
+              </a:rPr>
+              <a:t>xtremos </a:t>
             </a:r>
             <a:endParaRPr lang="es-ES" sz="900" dirty="0">
               <a:solidFill>
@@ -2626,14 +2748,34 @@
           <a:p>
             <a:pPr algn="ctr"/>
             <a:r>
-              <a:rPr lang="es-ES" sz="900" dirty="0" smtClean="0">
+              <a:rPr lang="es-ES" sz="900" dirty="0">
                 <a:solidFill>
                   <a:schemeClr val="tx1"/>
                 </a:solidFill>
                 <a:latin typeface="Arial" panose="020B0604020202020204" pitchFamily="34" charset="0"/>
                 <a:cs typeface="Arial" panose="020B0604020202020204" pitchFamily="34" charset="0"/>
               </a:rPr>
-              <a:t>La primera derivada</a:t>
+              <a:t>l</a:t>
+            </a:r>
+            <a:r>
+              <a:rPr lang="es-ES" sz="900" dirty="0" smtClean="0">
+                <a:solidFill>
+                  <a:schemeClr val="tx1"/>
+                </a:solidFill>
+                <a:latin typeface="Arial" panose="020B0604020202020204" pitchFamily="34" charset="0"/>
+                <a:cs typeface="Arial" panose="020B0604020202020204" pitchFamily="34" charset="0"/>
+              </a:rPr>
+              <a:t>a </a:t>
+            </a:r>
+            <a:r>
+              <a:rPr lang="es-ES" sz="900" dirty="0" smtClean="0">
+                <a:solidFill>
+                  <a:schemeClr val="tx1"/>
+                </a:solidFill>
+                <a:latin typeface="Arial" panose="020B0604020202020204" pitchFamily="34" charset="0"/>
+                <a:cs typeface="Arial" panose="020B0604020202020204" pitchFamily="34" charset="0"/>
+              </a:rPr>
+              <a:t>primera derivada</a:t>
             </a:r>
             <a:endParaRPr lang="es-ES" sz="900" dirty="0">
               <a:solidFill>
@@ -3203,7 +3345,7 @@
         <p:spPr>
           <a:xfrm>
             <a:off x="7443464" y="1369743"/>
-            <a:ext cx="1122431" cy="369332"/>
+            <a:ext cx="1122431" cy="230832"/>
           </a:xfrm>
           <a:prstGeom prst="rect">
             <a:avLst/>
@@ -3218,11 +3360,25 @@
           <a:p>
             <a:pPr algn="ctr"/>
             <a:r>
-              <a:rPr lang="es-ES" sz="900" dirty="0" smtClean="0">
-                <a:latin typeface="Arial" panose="020B0604020202020204" pitchFamily="34" charset="0"/>
-                <a:cs typeface="Arial" panose="020B0604020202020204" pitchFamily="34" charset="0"/>
-              </a:rPr>
-              <a:t>Herramientas para </a:t>
+              <a:rPr lang="es-ES" sz="900" dirty="0">
+                <a:latin typeface="Arial" panose="020B0604020202020204" pitchFamily="34" charset="0"/>
+                <a:cs typeface="Arial" panose="020B0604020202020204" pitchFamily="34" charset="0"/>
+              </a:rPr>
+              <a:t>h</a:t>
+            </a:r>
+            <a:r>
+              <a:rPr lang="es-ES" sz="900" dirty="0" smtClean="0">
+                <a:latin typeface="Arial" panose="020B0604020202020204" pitchFamily="34" charset="0"/>
+                <a:cs typeface="Arial" panose="020B0604020202020204" pitchFamily="34" charset="0"/>
+              </a:rPr>
+              <a:t>erramientas </a:t>
+            </a:r>
+            <a:r>
+              <a:rPr lang="es-ES" sz="900" dirty="0" smtClean="0">
+                <a:latin typeface="Arial" panose="020B0604020202020204" pitchFamily="34" charset="0"/>
+                <a:cs typeface="Arial" panose="020B0604020202020204" pitchFamily="34" charset="0"/>
+              </a:rPr>
+              <a:t>para </a:t>
             </a:r>
             <a:endParaRPr lang="es-ES" sz="900" dirty="0">
               <a:latin typeface="Arial" panose="020B0604020202020204" pitchFamily="34" charset="0"/>
@@ -3315,6 +3471,16 @@
           <a:p>
             <a:pPr algn="ctr"/>
             <a:r>
+              <a:rPr lang="es-ES" sz="1050" dirty="0">
+                <a:solidFill>
+                  <a:schemeClr val="bg1"/>
+                </a:solidFill>
+                <a:latin typeface="Arial" panose="020B0604020202020204" pitchFamily="34" charset="0"/>
+                <a:cs typeface="Arial" panose="020B0604020202020204" pitchFamily="34" charset="0"/>
+              </a:rPr>
+              <a:t>p</a:t>
+            </a:r>
+            <a:r>
               <a:rPr lang="es-ES" sz="1050" dirty="0" smtClean="0">
                 <a:solidFill>
                   <a:schemeClr val="bg1"/>
@@ -3322,7 +3488,17 @@
                 <a:latin typeface="Arial" panose="020B0604020202020204" pitchFamily="34" charset="0"/>
                 <a:cs typeface="Arial" panose="020B0604020202020204" pitchFamily="34" charset="0"/>
               </a:rPr>
-              <a:t>Problemas cotidianos y técnicos</a:t>
+              <a:t>roblemas </a:t>
+            </a:r>
+            <a:r>
+              <a:rPr lang="es-ES" sz="1050" dirty="0" smtClean="0">
+                <a:solidFill>
+                  <a:schemeClr val="bg1"/>
+                </a:solidFill>
+                <a:latin typeface="Arial" panose="020B0604020202020204" pitchFamily="34" charset="0"/>
+                <a:cs typeface="Arial" panose="020B0604020202020204" pitchFamily="34" charset="0"/>
+              </a:rPr>
+              <a:t>cotidianos y técnicos</a:t>
             </a:r>
             <a:endParaRPr lang="es-ES" sz="1050" dirty="0">
               <a:solidFill>
@@ -3345,8 +3521,8 @@
         </p:nvCxnSpPr>
         <p:spPr>
           <a:xfrm rot="5400000">
-            <a:off x="7808712" y="1597437"/>
-            <a:ext cx="54331" cy="337607"/>
+            <a:off x="7739462" y="1528187"/>
+            <a:ext cx="192831" cy="337607"/>
           </a:xfrm>
           <a:prstGeom prst="bentConnector3">
             <a:avLst>
@@ -3402,7 +3578,14 @@
                 <a:latin typeface="Arial" panose="020B0604020202020204" pitchFamily="34" charset="0"/>
                 <a:cs typeface="Arial" panose="020B0604020202020204" pitchFamily="34" charset="0"/>
               </a:rPr>
-              <a:t>Como</a:t>
+              <a:t>c</a:t>
+            </a:r>
+            <a:r>
+              <a:rPr lang="es-ES" sz="900" dirty="0" smtClean="0">
+                <a:latin typeface="Arial" panose="020B0604020202020204" pitchFamily="34" charset="0"/>
+                <a:cs typeface="Arial" panose="020B0604020202020204" pitchFamily="34" charset="0"/>
+              </a:rPr>
+              <a:t>omo</a:t>
             </a:r>
             <a:endParaRPr lang="es-ES" sz="900" dirty="0">
               <a:latin typeface="Arial" panose="020B0604020202020204" pitchFamily="34" charset="0"/>
@@ -3643,14 +3826,34 @@
           <a:p>
             <a:pPr algn="ctr"/>
             <a:r>
-              <a:rPr lang="es-ES" sz="900" dirty="0" smtClean="0">
+              <a:rPr lang="es-ES" sz="900" dirty="0">
                 <a:solidFill>
                   <a:schemeClr val="tx1"/>
                 </a:solidFill>
                 <a:latin typeface="Arial" panose="020B0604020202020204" pitchFamily="34" charset="0"/>
                 <a:cs typeface="Arial" panose="020B0604020202020204" pitchFamily="34" charset="0"/>
               </a:rPr>
-              <a:t>Los ceros de la función</a:t>
+              <a:t>l</a:t>
+            </a:r>
+            <a:r>
+              <a:rPr lang="es-ES" sz="900" dirty="0" smtClean="0">
+                <a:solidFill>
+                  <a:schemeClr val="tx1"/>
+                </a:solidFill>
+                <a:latin typeface="Arial" panose="020B0604020202020204" pitchFamily="34" charset="0"/>
+                <a:cs typeface="Arial" panose="020B0604020202020204" pitchFamily="34" charset="0"/>
+              </a:rPr>
+              <a:t>os </a:t>
+            </a:r>
+            <a:r>
+              <a:rPr lang="es-ES" sz="900" dirty="0" smtClean="0">
+                <a:solidFill>
+                  <a:schemeClr val="tx1"/>
+                </a:solidFill>
+                <a:latin typeface="Arial" panose="020B0604020202020204" pitchFamily="34" charset="0"/>
+                <a:cs typeface="Arial" panose="020B0604020202020204" pitchFamily="34" charset="0"/>
+              </a:rPr>
+              <a:t>ceros de la función</a:t>
             </a:r>
             <a:endParaRPr lang="es-ES" sz="900" dirty="0">
               <a:solidFill>
@@ -3747,6 +3950,16 @@
           <a:p>
             <a:pPr algn="ctr"/>
             <a:r>
+              <a:rPr lang="es-ES" sz="1050" dirty="0">
+                <a:solidFill>
+                  <a:schemeClr val="bg1"/>
+                </a:solidFill>
+                <a:latin typeface="Arial" panose="020B0604020202020204" pitchFamily="34" charset="0"/>
+                <a:cs typeface="Arial" panose="020B0604020202020204" pitchFamily="34" charset="0"/>
+              </a:rPr>
+              <a:t>t</a:t>
+            </a:r>
+            <a:r>
               <a:rPr lang="es-ES" sz="1050" dirty="0" smtClean="0">
                 <a:solidFill>
                   <a:schemeClr val="bg1"/>
@@ -3754,7 +3967,7 @@
                 <a:latin typeface="Arial" panose="020B0604020202020204" pitchFamily="34" charset="0"/>
                 <a:cs typeface="Arial" panose="020B0604020202020204" pitchFamily="34" charset="0"/>
               </a:rPr>
-              <a:t>Tipos</a:t>
+              <a:t>ipos</a:t>
             </a:r>
             <a:endParaRPr lang="es-ES" sz="1050" dirty="0">
               <a:solidFill>
@@ -3811,14 +4024,34 @@
           <a:p>
             <a:pPr algn="ctr"/>
             <a:r>
-              <a:rPr lang="es-ES" sz="900" dirty="0" smtClean="0">
+              <a:rPr lang="es-ES" sz="900" dirty="0">
                 <a:solidFill>
                   <a:schemeClr val="tx1"/>
                 </a:solidFill>
                 <a:latin typeface="Arial" panose="020B0604020202020204" pitchFamily="34" charset="0"/>
                 <a:cs typeface="Arial" panose="020B0604020202020204" pitchFamily="34" charset="0"/>
               </a:rPr>
-              <a:t>Crecimiento y decrecimiento</a:t>
+              <a:t>c</a:t>
+            </a:r>
+            <a:r>
+              <a:rPr lang="es-ES" sz="900" dirty="0" smtClean="0">
+                <a:solidFill>
+                  <a:schemeClr val="tx1"/>
+                </a:solidFill>
+                <a:latin typeface="Arial" panose="020B0604020202020204" pitchFamily="34" charset="0"/>
+                <a:cs typeface="Arial" panose="020B0604020202020204" pitchFamily="34" charset="0"/>
+              </a:rPr>
+              <a:t>recimiento </a:t>
+            </a:r>
+            <a:r>
+              <a:rPr lang="es-ES" sz="900" dirty="0" smtClean="0">
+                <a:solidFill>
+                  <a:schemeClr val="tx1"/>
+                </a:solidFill>
+                <a:latin typeface="Arial" panose="020B0604020202020204" pitchFamily="34" charset="0"/>
+                <a:cs typeface="Arial" panose="020B0604020202020204" pitchFamily="34" charset="0"/>
+              </a:rPr>
+              <a:t>y decrecimiento</a:t>
             </a:r>
             <a:endParaRPr lang="es-ES" sz="900" dirty="0">
               <a:solidFill>
@@ -3950,14 +4183,34 @@
           <a:p>
             <a:pPr algn="ctr"/>
             <a:r>
-              <a:rPr lang="es-ES" sz="900" dirty="0" smtClean="0">
+              <a:rPr lang="es-ES" sz="900" dirty="0">
                 <a:solidFill>
                   <a:schemeClr val="tx1"/>
                 </a:solidFill>
                 <a:latin typeface="Arial" panose="020B0604020202020204" pitchFamily="34" charset="0"/>
                 <a:cs typeface="Arial" panose="020B0604020202020204" pitchFamily="34" charset="0"/>
               </a:rPr>
-              <a:t>La segunda derivada</a:t>
+              <a:t>l</a:t>
+            </a:r>
+            <a:r>
+              <a:rPr lang="es-ES" sz="900" dirty="0" smtClean="0">
+                <a:solidFill>
+                  <a:schemeClr val="tx1"/>
+                </a:solidFill>
+                <a:latin typeface="Arial" panose="020B0604020202020204" pitchFamily="34" charset="0"/>
+                <a:cs typeface="Arial" panose="020B0604020202020204" pitchFamily="34" charset="0"/>
+              </a:rPr>
+              <a:t>a </a:t>
+            </a:r>
+            <a:r>
+              <a:rPr lang="es-ES" sz="900" dirty="0" smtClean="0">
+                <a:solidFill>
+                  <a:schemeClr val="tx1"/>
+                </a:solidFill>
+                <a:latin typeface="Arial" panose="020B0604020202020204" pitchFamily="34" charset="0"/>
+                <a:cs typeface="Arial" panose="020B0604020202020204" pitchFamily="34" charset="0"/>
+              </a:rPr>
+              <a:t>segunda derivada</a:t>
             </a:r>
             <a:endParaRPr lang="es-ES" sz="900" dirty="0">
               <a:solidFill>
@@ -4208,7 +4461,17 @@
                 <a:latin typeface="Arial" panose="020B0604020202020204" pitchFamily="34" charset="0"/>
                 <a:cs typeface="Arial" panose="020B0604020202020204" pitchFamily="34" charset="0"/>
               </a:rPr>
-              <a:t>Valor medio</a:t>
+              <a:t>Teorema del valor </a:t>
+            </a:r>
+            <a:r>
+              <a:rPr lang="es-ES" sz="900" dirty="0" smtClean="0">
+                <a:solidFill>
+                  <a:schemeClr val="tx1"/>
+                </a:solidFill>
+                <a:latin typeface="Arial" panose="020B0604020202020204" pitchFamily="34" charset="0"/>
+                <a:cs typeface="Arial" panose="020B0604020202020204" pitchFamily="34" charset="0"/>
+              </a:rPr>
+              <a:t>medio</a:t>
             </a:r>
           </a:p>
           <a:p>
@@ -4254,7 +4517,7 @@
                 <a:latin typeface="Arial" panose="020B0604020202020204" pitchFamily="34" charset="0"/>
                 <a:cs typeface="Arial" panose="020B0604020202020204" pitchFamily="34" charset="0"/>
               </a:rPr>
-              <a:t>C</a:t>
+              <a:t>c</a:t>
             </a:r>
             <a:r>
               <a:rPr lang="es-ES" sz="900" dirty="0" smtClean="0">
@@ -4361,7 +4624,7 @@
   <p:timing>
     <p:tnLst>
       <p:par>
-        <p:cTn id="1" dur="indefinite" restart="never" nodeType="tmRoot"/>
+        <p:cTn xmlns:p14="http://schemas.microsoft.com/office/powerpoint/2010/main" id="1" dur="indefinite" restart="never" nodeType="tmRoot"/>
       </p:par>
     </p:tnLst>
   </p:timing>
@@ -4411,7 +4674,7 @@
     </a:clrScheme>
     <a:fontScheme name="Tema de Office">
       <a:majorFont>
-        <a:latin typeface="Calibri Light" panose="020F0302020204030204"/>
+        <a:latin typeface="Calibri Light"/>
         <a:ea typeface=""/>
         <a:cs typeface=""/>
         <a:font script="Jpan" typeface="ＭＳ Ｐゴシック"/>
@@ -4446,7 +4709,7 @@
         <a:font script="Geor" typeface="Sylfaen"/>
       </a:majorFont>
       <a:minorFont>
-        <a:latin typeface="Calibri" panose="020F0502020204030204"/>
+        <a:latin typeface="Calibri"/>
         <a:ea typeface=""/>
         <a:cs typeface=""/>
         <a:font script="Jpan" typeface="ＭＳ Ｐゴシック"/>
@@ -4623,7 +4886,7 @@
   <a:extraClrSchemeLst/>
   <a:extLst>
     <a:ext uri="{05A4C25C-085E-4340-85A3-A5531E510DB2}">
-      <thm15:themeFamily xmlns:thm15="http://schemas.microsoft.com/office/thememl/2012/main" name="Office Theme" id="{62F939B6-93AF-4DB8-9C6B-D6C7DFDC589F}" vid="{4A3C46E8-61CC-4603-A589-7422A47A8E4A}"/>
+      <thm15:themeFamily xmlns:thm15="http://schemas.microsoft.com/office/thememl/2012/main" xmlns="" name="Office Theme" id="{62F939B6-93AF-4DB8-9C6B-D6C7DFDC589F}" vid="{4A3C46E8-61CC-4603-A589-7422A47A8E4A}"/>
     </a:ext>
   </a:extLst>
 </a:theme>
